--- a/assignments/pabbisetty/week-11-presentation/week 11.pptx
+++ b/assignments/pabbisetty/week-11-presentation/week 11.pptx
@@ -3543,6 +3543,7 @@
           <a:bodyPr/>
           <a:lstStyle/>
           <a:p>
+            <a:pPr algn="ctr"/>
             <a:r>
               <a:rPr lang="en-US" dirty="0">
                 <a:latin typeface="Times New Roman" panose="02020603050405020304" pitchFamily="18" charset="0"/>
@@ -3583,7 +3584,7 @@
         </p:blipFill>
         <p:spPr>
           <a:xfrm>
-            <a:off x="838200" y="1253331"/>
+            <a:off x="2786676" y="1245018"/>
             <a:ext cx="6618648" cy="5174102"/>
           </a:xfrm>
         </p:spPr>
@@ -3602,8 +3603,8 @@
         </p:nvSpPr>
         <p:spPr>
           <a:xfrm>
-            <a:off x="758301" y="6528412"/>
-            <a:ext cx="11040122" cy="246221"/>
+            <a:off x="2786676" y="6493934"/>
+            <a:ext cx="3098804" cy="246221"/>
           </a:xfrm>
           <a:prstGeom prst="rect">
             <a:avLst/>
@@ -3694,6 +3695,7 @@
           <a:bodyPr/>
           <a:lstStyle/>
           <a:p>
+            <a:pPr algn="ctr"/>
             <a:r>
               <a:rPr lang="en-US" dirty="0">
                 <a:latin typeface="Times New Roman" panose="02020603050405020304" pitchFamily="18" charset="0"/>
@@ -3735,7 +3737,7 @@
         </p:blipFill>
         <p:spPr>
           <a:xfrm>
-            <a:off x="838199" y="1052335"/>
+            <a:off x="1037705" y="1052335"/>
             <a:ext cx="9756973" cy="5099889"/>
           </a:xfrm>
         </p:spPr>
@@ -3884,6 +3886,7 @@
           <a:bodyPr/>
           <a:lstStyle/>
           <a:p>
+            <a:pPr algn="ctr"/>
             <a:r>
               <a:rPr lang="en-US" dirty="0">
                 <a:latin typeface="Times New Roman" panose="02020603050405020304" pitchFamily="18" charset="0"/>
@@ -4063,6 +4066,7 @@
           <a:bodyPr/>
           <a:lstStyle/>
           <a:p>
+            <a:pPr algn="ctr"/>
             <a:r>
               <a:rPr lang="en-US" dirty="0">
                 <a:latin typeface="Times New Roman" panose="02020603050405020304" pitchFamily="18" charset="0"/>
@@ -4467,6 +4471,7 @@
           <a:bodyPr/>
           <a:lstStyle/>
           <a:p>
+            <a:pPr algn="ctr"/>
             <a:r>
               <a:rPr lang="en-US" dirty="0">
                 <a:latin typeface="Times New Roman" panose="02020603050405020304" pitchFamily="18" charset="0"/>
@@ -4713,6 +4718,7 @@
           <a:bodyPr/>
           <a:lstStyle/>
           <a:p>
+            <a:pPr algn="ctr"/>
             <a:r>
               <a:rPr lang="en-US" dirty="0">
                 <a:latin typeface="Times New Roman" panose="02020603050405020304" pitchFamily="18" charset="0"/>
@@ -4865,6 +4871,7 @@
           <a:bodyPr/>
           <a:lstStyle/>
           <a:p>
+            <a:pPr algn="ctr"/>
             <a:r>
               <a:rPr lang="en-US" dirty="0">
                 <a:latin typeface="Times New Roman" panose="02020603050405020304" pitchFamily="18" charset="0"/>
@@ -5050,6 +5057,7 @@
           <a:bodyPr/>
           <a:lstStyle/>
           <a:p>
+            <a:pPr algn="ctr"/>
             <a:r>
               <a:rPr lang="en-US" dirty="0">
                 <a:latin typeface="Times New Roman" panose="02020603050405020304" pitchFamily="18" charset="0"/>
@@ -5260,6 +5268,7 @@
           <a:bodyPr/>
           <a:lstStyle/>
           <a:p>
+            <a:pPr algn="ctr"/>
             <a:r>
               <a:rPr lang="en-US" dirty="0">
                 <a:latin typeface="Times New Roman" panose="02020603050405020304" pitchFamily="18" charset="0"/>
@@ -5298,7 +5307,7 @@
         </p:blipFill>
         <p:spPr>
           <a:xfrm>
-            <a:off x="933450" y="1296002"/>
+            <a:off x="1407276" y="1314666"/>
             <a:ext cx="9213727" cy="5174002"/>
           </a:xfrm>
           <a:prstGeom prst="rect">
@@ -5405,6 +5414,7 @@
           <a:bodyPr/>
           <a:lstStyle/>
           <a:p>
+            <a:pPr algn="ctr"/>
             <a:r>
               <a:rPr lang="en-US" dirty="0">
                 <a:latin typeface="Times New Roman" panose="02020603050405020304" pitchFamily="18" charset="0"/>
@@ -5536,6 +5546,7 @@
           <a:bodyPr/>
           <a:lstStyle/>
           <a:p>
+            <a:pPr algn="ctr"/>
             <a:r>
               <a:rPr lang="en-US" dirty="0">
                 <a:latin typeface="Times New Roman" panose="02020603050405020304" pitchFamily="18" charset="0"/>
@@ -5667,6 +5678,7 @@
           <a:bodyPr/>
           <a:lstStyle/>
           <a:p>
+            <a:pPr algn="ctr"/>
             <a:r>
               <a:rPr lang="en-US" dirty="0">
                 <a:latin typeface="Times New Roman" panose="02020603050405020304" pitchFamily="18" charset="0"/>
@@ -5818,6 +5830,7 @@
           <a:bodyPr/>
           <a:lstStyle/>
           <a:p>
+            <a:pPr algn="ctr"/>
             <a:r>
               <a:rPr lang="en-US" dirty="0">
                 <a:latin typeface="Times New Roman" panose="02020603050405020304" pitchFamily="18" charset="0"/>
@@ -5858,7 +5871,7 @@
         </p:blipFill>
         <p:spPr>
           <a:xfrm>
-            <a:off x="838199" y="1125676"/>
+            <a:off x="1827414" y="951447"/>
             <a:ext cx="9229115" cy="5488188"/>
           </a:xfrm>
         </p:spPr>
@@ -5877,8 +5890,8 @@
         </p:nvSpPr>
         <p:spPr>
           <a:xfrm>
-            <a:off x="758301" y="6439635"/>
-            <a:ext cx="11040122" cy="246221"/>
+            <a:off x="1930396" y="6461845"/>
+            <a:ext cx="8477139" cy="246221"/>
           </a:xfrm>
           <a:prstGeom prst="rect">
             <a:avLst/>
@@ -5969,6 +5982,7 @@
           <a:bodyPr/>
           <a:lstStyle/>
           <a:p>
+            <a:pPr algn="ctr"/>
             <a:r>
               <a:rPr lang="en-US" dirty="0">
                 <a:latin typeface="Times New Roman" panose="02020603050405020304" pitchFamily="18" charset="0"/>
@@ -6135,6 +6149,7 @@
           <a:bodyPr/>
           <a:lstStyle/>
           <a:p>
+            <a:pPr algn="ctr"/>
             <a:r>
               <a:rPr lang="en-US" dirty="0">
                 <a:latin typeface="Times New Roman" panose="02020603050405020304" pitchFamily="18" charset="0"/>
@@ -6175,7 +6190,7 @@
         </p:blipFill>
         <p:spPr>
           <a:xfrm>
-            <a:off x="838199" y="1186433"/>
+            <a:off x="1760912" y="1169808"/>
             <a:ext cx="8813163" cy="5356410"/>
           </a:xfrm>
         </p:spPr>
@@ -6194,8 +6209,8 @@
         </p:nvSpPr>
         <p:spPr>
           <a:xfrm>
-            <a:off x="838199" y="6611779"/>
-            <a:ext cx="11040122" cy="246221"/>
+            <a:off x="2725188" y="6526218"/>
+            <a:ext cx="6460376" cy="246221"/>
           </a:xfrm>
           <a:prstGeom prst="rect">
             <a:avLst/>
